--- a/JavaPattern.pptx
+++ b/JavaPattern.pptx
@@ -26,6 +26,7 @@
     <p:sldId id="292" r:id="rId20"/>
     <p:sldId id="293" r:id="rId21"/>
     <p:sldId id="294" r:id="rId22"/>
+    <p:sldId id="295" r:id="rId23"/>
   </p:sldIdLst>
   <p:sldSz cx="12192000" cy="6858000"/>
   <p:notesSz cx="6858000" cy="9144000"/>
@@ -13681,6 +13682,1151 @@
 </p:sld>
 </file>
 
+<file path=ppt/slides/slide22.xml><?xml version="1.0" encoding="utf-8"?>
+<p:sld xmlns:a="http://schemas.openxmlformats.org/drawingml/2006/main" xmlns:r="http://schemas.openxmlformats.org/officeDocument/2006/relationships" xmlns:p="http://schemas.openxmlformats.org/presentationml/2006/main">
+  <p:cSld>
+    <p:bg>
+      <p:bgPr>
+        <a:solidFill>
+          <a:srgbClr val="040E1A"/>
+        </a:solidFill>
+        <a:effectLst/>
+      </p:bgPr>
+    </p:bg>
+    <p:spTree>
+      <p:nvGrpSpPr>
+        <p:cNvPr id="1" name=""/>
+        <p:cNvGrpSpPr/>
+        <p:nvPr/>
+      </p:nvGrpSpPr>
+      <p:grpSpPr>
+        <a:xfrm>
+          <a:off x="0" y="0"/>
+          <a:ext cx="0" cy="0"/>
+          <a:chOff x="0" y="0"/>
+          <a:chExt cx="0" cy="0"/>
+        </a:xfrm>
+      </p:grpSpPr>
+      <p:sp>
+        <p:nvSpPr>
+          <p:cNvPr id="2" name="Title 1">
+            <a:extLst>
+              <a:ext uri="{FF2B5EF4-FFF2-40B4-BE49-F238E27FC236}">
+                <a16:creationId xmlns:a16="http://schemas.microsoft.com/office/drawing/2014/main" id="{87E219CC-A6B6-4075-B733-C05C1E794BD7}"/>
+              </a:ext>
+            </a:extLst>
+          </p:cNvPr>
+          <p:cNvSpPr>
+            <a:spLocks noGrp="1"/>
+          </p:cNvSpPr>
+          <p:nvPr>
+            <p:ph type="title"/>
+          </p:nvPr>
+        </p:nvSpPr>
+        <p:spPr>
+          <a:xfrm>
+            <a:off x="530086" y="338620"/>
+            <a:ext cx="10823713" cy="1325563"/>
+          </a:xfrm>
+        </p:spPr>
+        <p:txBody>
+          <a:bodyPr>
+            <a:normAutofit/>
+          </a:bodyPr>
+          <a:lstStyle/>
+          <a:p>
+            <a:r>
+              <a:rPr lang="en-US" sz="4000" dirty="0">
+                <a:solidFill>
+                  <a:schemeClr val="bg1">
+                    <a:lumMod val="65000"/>
+                  </a:schemeClr>
+                </a:solidFill>
+                <a:latin typeface="+mn-lt"/>
+              </a:rPr>
+              <a:t>JAVA: String</a:t>
+            </a:r>
+          </a:p>
+        </p:txBody>
+      </p:sp>
+      <p:sp>
+        <p:nvSpPr>
+          <p:cNvPr id="3" name="Content Placeholder 2">
+            <a:extLst>
+              <a:ext uri="{FF2B5EF4-FFF2-40B4-BE49-F238E27FC236}">
+                <a16:creationId xmlns:a16="http://schemas.microsoft.com/office/drawing/2014/main" id="{D23A8E98-E9B4-4888-AE47-A6A4BD2C2EC7}"/>
+              </a:ext>
+            </a:extLst>
+          </p:cNvPr>
+          <p:cNvSpPr>
+            <a:spLocks noGrp="1"/>
+          </p:cNvSpPr>
+          <p:nvPr>
+            <p:ph idx="1"/>
+          </p:nvPr>
+        </p:nvSpPr>
+        <p:spPr>
+          <a:xfrm>
+            <a:off x="530086" y="1511956"/>
+            <a:ext cx="10823713" cy="4842461"/>
+          </a:xfrm>
+        </p:spPr>
+        <p:txBody>
+          <a:bodyPr>
+            <a:normAutofit/>
+          </a:bodyPr>
+          <a:lstStyle/>
+          <a:p>
+            <a:pPr marL="0" indent="0">
+              <a:buNone/>
+            </a:pPr>
+            <a:r>
+              <a:rPr kumimoji="0" lang="en-US" altLang="en-US" sz="1600" b="0" i="0" u="none" strike="noStrike" cap="none" normalizeH="0" baseline="0" dirty="0">
+                <a:ln>
+                  <a:noFill/>
+                </a:ln>
+                <a:solidFill>
+                  <a:schemeClr val="bg1">
+                    <a:lumMod val="95000"/>
+                  </a:schemeClr>
+                </a:solidFill>
+                <a:effectLst/>
+                <a:latin typeface="Arial" panose="020B0604020202020204" pitchFamily="34" charset="0"/>
+              </a:rPr>
+              <a:t>In Java, a String is a special data type. The </a:t>
+            </a:r>
+            <a:r>
+              <a:rPr lang="en-US" altLang="en-US" sz="1600" dirty="0">
+                <a:solidFill>
+                  <a:schemeClr val="bg1">
+                    <a:lumMod val="95000"/>
+                  </a:schemeClr>
+                </a:solidFill>
+                <a:latin typeface="Arial" panose="020B0604020202020204" pitchFamily="34" charset="0"/>
+              </a:rPr>
+              <a:t>st</a:t>
+            </a:r>
+            <a:r>
+              <a:rPr kumimoji="0" lang="en-US" altLang="en-US" sz="1600" b="0" i="0" u="none" strike="noStrike" cap="none" normalizeH="0" baseline="0" dirty="0">
+                <a:ln>
+                  <a:noFill/>
+                </a:ln>
+                <a:solidFill>
+                  <a:schemeClr val="bg1">
+                    <a:lumMod val="95000"/>
+                  </a:schemeClr>
+                </a:solidFill>
+                <a:effectLst/>
+                <a:latin typeface="Arial" panose="020B0604020202020204" pitchFamily="34" charset="0"/>
+              </a:rPr>
+              <a:t>ring is an object.</a:t>
+            </a:r>
+          </a:p>
+          <a:p>
+            <a:pPr marL="0" indent="0">
+              <a:buNone/>
+            </a:pPr>
+            <a:endParaRPr lang="en-US" altLang="en-US" sz="1600" dirty="0">
+              <a:solidFill>
+                <a:schemeClr val="bg1">
+                  <a:lumMod val="95000"/>
+                </a:schemeClr>
+              </a:solidFill>
+              <a:latin typeface="Arial" panose="020B0604020202020204" pitchFamily="34" charset="0"/>
+            </a:endParaRPr>
+          </a:p>
+          <a:p>
+            <a:pPr marL="0" indent="0">
+              <a:buNone/>
+            </a:pPr>
+            <a:r>
+              <a:rPr lang="en-US" altLang="en-US" sz="1600" dirty="0">
+                <a:solidFill>
+                  <a:schemeClr val="bg1">
+                    <a:lumMod val="95000"/>
+                  </a:schemeClr>
+                </a:solidFill>
+                <a:latin typeface="Arial" panose="020B0604020202020204" pitchFamily="34" charset="0"/>
+              </a:rPr>
+              <a:t>// add two string</a:t>
+            </a:r>
+          </a:p>
+          <a:p>
+            <a:pPr marL="0" indent="0">
+              <a:buNone/>
+            </a:pPr>
+            <a:r>
+              <a:rPr kumimoji="0" lang="en-US" altLang="en-US" sz="1600" b="0" i="0" u="none" strike="noStrike" cap="none" normalizeH="0" baseline="0" dirty="0">
+                <a:ln>
+                  <a:noFill/>
+                </a:ln>
+                <a:solidFill>
+                  <a:srgbClr val="A9B7C6"/>
+                </a:solidFill>
+                <a:effectLst/>
+                <a:latin typeface="Arial Unicode MS" panose="020B0604020202020204" pitchFamily="34" charset="-128"/>
+              </a:rPr>
+              <a:t>String </a:t>
+            </a:r>
+            <a:r>
+              <a:rPr kumimoji="0" lang="en-US" altLang="en-US" sz="1600" b="0" i="0" u="none" strike="noStrike" cap="none" normalizeH="0" baseline="0" dirty="0" err="1">
+                <a:ln>
+                  <a:noFill/>
+                </a:ln>
+                <a:solidFill>
+                  <a:srgbClr val="A9B7C6"/>
+                </a:solidFill>
+                <a:effectLst/>
+                <a:latin typeface="Arial Unicode MS" panose="020B0604020202020204" pitchFamily="34" charset="-128"/>
+              </a:rPr>
+              <a:t>firstName</a:t>
+            </a:r>
+            <a:r>
+              <a:rPr kumimoji="0" lang="en-US" altLang="en-US" sz="1600" b="0" i="0" u="none" strike="noStrike" cap="none" normalizeH="0" baseline="0" dirty="0">
+                <a:ln>
+                  <a:noFill/>
+                </a:ln>
+                <a:solidFill>
+                  <a:srgbClr val="A9B7C6"/>
+                </a:solidFill>
+                <a:effectLst/>
+                <a:latin typeface="Arial Unicode MS" panose="020B0604020202020204" pitchFamily="34" charset="-128"/>
+              </a:rPr>
+              <a:t> = </a:t>
+            </a:r>
+            <a:r>
+              <a:rPr kumimoji="0" lang="en-US" altLang="en-US" sz="1600" b="0" i="0" u="none" strike="noStrike" cap="none" normalizeH="0" baseline="0" dirty="0">
+                <a:ln>
+                  <a:noFill/>
+                </a:ln>
+                <a:solidFill>
+                  <a:srgbClr val="6A8759"/>
+                </a:solidFill>
+                <a:effectLst/>
+                <a:latin typeface="Arial Unicode MS" panose="020B0604020202020204" pitchFamily="34" charset="-128"/>
+              </a:rPr>
+              <a:t>"Noyon"</a:t>
+            </a:r>
+            <a:r>
+              <a:rPr kumimoji="0" lang="en-US" altLang="en-US" sz="1600" b="0" i="0" u="none" strike="noStrike" cap="none" normalizeH="0" baseline="0" dirty="0">
+                <a:ln>
+                  <a:noFill/>
+                </a:ln>
+                <a:solidFill>
+                  <a:srgbClr val="CC7832"/>
+                </a:solidFill>
+                <a:effectLst/>
+                <a:latin typeface="Arial Unicode MS" panose="020B0604020202020204" pitchFamily="34" charset="-128"/>
+              </a:rPr>
+              <a:t>;</a:t>
+            </a:r>
+            <a:br>
+              <a:rPr kumimoji="0" lang="en-US" altLang="en-US" sz="1600" b="0" i="0" u="none" strike="noStrike" cap="none" normalizeH="0" baseline="0" dirty="0">
+                <a:ln>
+                  <a:noFill/>
+                </a:ln>
+                <a:solidFill>
+                  <a:srgbClr val="CC7832"/>
+                </a:solidFill>
+                <a:effectLst/>
+                <a:latin typeface="Arial Unicode MS" panose="020B0604020202020204" pitchFamily="34" charset="-128"/>
+              </a:rPr>
+            </a:br>
+            <a:r>
+              <a:rPr kumimoji="0" lang="en-US" altLang="en-US" sz="1600" b="0" i="0" u="none" strike="noStrike" cap="none" normalizeH="0" baseline="0" dirty="0">
+                <a:ln>
+                  <a:noFill/>
+                </a:ln>
+                <a:solidFill>
+                  <a:srgbClr val="A9B7C6"/>
+                </a:solidFill>
+                <a:effectLst/>
+                <a:latin typeface="Arial Unicode MS" panose="020B0604020202020204" pitchFamily="34" charset="-128"/>
+              </a:rPr>
+              <a:t>String </a:t>
+            </a:r>
+            <a:r>
+              <a:rPr kumimoji="0" lang="en-US" altLang="en-US" sz="1600" b="0" i="0" u="none" strike="noStrike" cap="none" normalizeH="0" baseline="0" dirty="0" err="1">
+                <a:ln>
+                  <a:noFill/>
+                </a:ln>
+                <a:solidFill>
+                  <a:srgbClr val="A9B7C6"/>
+                </a:solidFill>
+                <a:effectLst/>
+                <a:latin typeface="Arial Unicode MS" panose="020B0604020202020204" pitchFamily="34" charset="-128"/>
+              </a:rPr>
+              <a:t>lastName</a:t>
+            </a:r>
+            <a:r>
+              <a:rPr kumimoji="0" lang="en-US" altLang="en-US" sz="1600" b="0" i="0" u="none" strike="noStrike" cap="none" normalizeH="0" baseline="0" dirty="0">
+                <a:ln>
+                  <a:noFill/>
+                </a:ln>
+                <a:solidFill>
+                  <a:srgbClr val="A9B7C6"/>
+                </a:solidFill>
+                <a:effectLst/>
+                <a:latin typeface="Arial Unicode MS" panose="020B0604020202020204" pitchFamily="34" charset="-128"/>
+              </a:rPr>
+              <a:t> = </a:t>
+            </a:r>
+            <a:r>
+              <a:rPr kumimoji="0" lang="en-US" altLang="en-US" sz="1600" b="0" i="0" u="none" strike="noStrike" cap="none" normalizeH="0" baseline="0" dirty="0">
+                <a:ln>
+                  <a:noFill/>
+                </a:ln>
+                <a:solidFill>
+                  <a:srgbClr val="6A8759"/>
+                </a:solidFill>
+                <a:effectLst/>
+                <a:latin typeface="Arial Unicode MS" panose="020B0604020202020204" pitchFamily="34" charset="-128"/>
+              </a:rPr>
+              <a:t>"Sarker"</a:t>
+            </a:r>
+            <a:r>
+              <a:rPr kumimoji="0" lang="en-US" altLang="en-US" sz="1600" b="0" i="0" u="none" strike="noStrike" cap="none" normalizeH="0" baseline="0" dirty="0">
+                <a:ln>
+                  <a:noFill/>
+                </a:ln>
+                <a:solidFill>
+                  <a:srgbClr val="CC7832"/>
+                </a:solidFill>
+                <a:effectLst/>
+                <a:latin typeface="Arial Unicode MS" panose="020B0604020202020204" pitchFamily="34" charset="-128"/>
+              </a:rPr>
+              <a:t>;</a:t>
+            </a:r>
+            <a:br>
+              <a:rPr kumimoji="0" lang="en-US" altLang="en-US" sz="1600" b="0" i="0" u="none" strike="noStrike" cap="none" normalizeH="0" baseline="0" dirty="0">
+                <a:ln>
+                  <a:noFill/>
+                </a:ln>
+                <a:solidFill>
+                  <a:srgbClr val="CC7832"/>
+                </a:solidFill>
+                <a:effectLst/>
+                <a:latin typeface="Arial Unicode MS" panose="020B0604020202020204" pitchFamily="34" charset="-128"/>
+              </a:rPr>
+            </a:br>
+            <a:br>
+              <a:rPr kumimoji="0" lang="en-US" altLang="en-US" sz="1600" b="0" i="0" u="none" strike="noStrike" cap="none" normalizeH="0" baseline="0" dirty="0">
+                <a:ln>
+                  <a:noFill/>
+                </a:ln>
+                <a:solidFill>
+                  <a:srgbClr val="CC7832"/>
+                </a:solidFill>
+                <a:effectLst/>
+                <a:latin typeface="Arial Unicode MS" panose="020B0604020202020204" pitchFamily="34" charset="-128"/>
+              </a:rPr>
+            </a:br>
+            <a:r>
+              <a:rPr kumimoji="0" lang="en-US" altLang="en-US" sz="1600" b="0" i="0" u="none" strike="noStrike" cap="none" normalizeH="0" baseline="0" dirty="0" err="1">
+                <a:ln>
+                  <a:noFill/>
+                </a:ln>
+                <a:solidFill>
+                  <a:srgbClr val="A9B7C6"/>
+                </a:solidFill>
+                <a:effectLst/>
+                <a:latin typeface="Arial Unicode MS" panose="020B0604020202020204" pitchFamily="34" charset="-128"/>
+              </a:rPr>
+              <a:t>System.</a:t>
+            </a:r>
+            <a:r>
+              <a:rPr kumimoji="0" lang="en-US" altLang="en-US" sz="1600" b="0" i="1" u="none" strike="noStrike" cap="none" normalizeH="0" baseline="0" dirty="0" err="1">
+                <a:ln>
+                  <a:noFill/>
+                </a:ln>
+                <a:solidFill>
+                  <a:srgbClr val="9876AA"/>
+                </a:solidFill>
+                <a:effectLst/>
+                <a:latin typeface="Arial Unicode MS" panose="020B0604020202020204" pitchFamily="34" charset="-128"/>
+              </a:rPr>
+              <a:t>out</a:t>
+            </a:r>
+            <a:r>
+              <a:rPr kumimoji="0" lang="en-US" altLang="en-US" sz="1600" b="0" i="0" u="none" strike="noStrike" cap="none" normalizeH="0" baseline="0" dirty="0" err="1">
+                <a:ln>
+                  <a:noFill/>
+                </a:ln>
+                <a:solidFill>
+                  <a:srgbClr val="A9B7C6"/>
+                </a:solidFill>
+                <a:effectLst/>
+                <a:latin typeface="Arial Unicode MS" panose="020B0604020202020204" pitchFamily="34" charset="-128"/>
+              </a:rPr>
+              <a:t>.println</a:t>
+            </a:r>
+            <a:r>
+              <a:rPr kumimoji="0" lang="en-US" altLang="en-US" sz="1600" b="0" i="0" u="none" strike="noStrike" cap="none" normalizeH="0" baseline="0" dirty="0">
+                <a:ln>
+                  <a:noFill/>
+                </a:ln>
+                <a:solidFill>
+                  <a:srgbClr val="A9B7C6"/>
+                </a:solidFill>
+                <a:effectLst/>
+                <a:latin typeface="Arial Unicode MS" panose="020B0604020202020204" pitchFamily="34" charset="-128"/>
+              </a:rPr>
+              <a:t>(</a:t>
+            </a:r>
+            <a:r>
+              <a:rPr kumimoji="0" lang="en-US" altLang="en-US" sz="1600" b="0" i="0" u="none" strike="noStrike" cap="none" normalizeH="0" baseline="0" dirty="0" err="1">
+                <a:ln>
+                  <a:noFill/>
+                </a:ln>
+                <a:solidFill>
+                  <a:srgbClr val="A9B7C6"/>
+                </a:solidFill>
+                <a:effectLst/>
+                <a:latin typeface="Arial Unicode MS" panose="020B0604020202020204" pitchFamily="34" charset="-128"/>
+              </a:rPr>
+              <a:t>firstName</a:t>
+            </a:r>
+            <a:r>
+              <a:rPr kumimoji="0" lang="en-US" altLang="en-US" sz="1600" b="0" i="0" u="none" strike="noStrike" cap="none" normalizeH="0" baseline="0" dirty="0">
+                <a:ln>
+                  <a:noFill/>
+                </a:ln>
+                <a:solidFill>
+                  <a:srgbClr val="A9B7C6"/>
+                </a:solidFill>
+                <a:effectLst/>
+                <a:latin typeface="Arial Unicode MS" panose="020B0604020202020204" pitchFamily="34" charset="-128"/>
+              </a:rPr>
+              <a:t>+</a:t>
+            </a:r>
+            <a:r>
+              <a:rPr kumimoji="0" lang="en-US" altLang="en-US" sz="1600" b="0" i="0" u="none" strike="noStrike" cap="none" normalizeH="0" baseline="0" dirty="0">
+                <a:ln>
+                  <a:noFill/>
+                </a:ln>
+                <a:solidFill>
+                  <a:srgbClr val="6A8759"/>
+                </a:solidFill>
+                <a:effectLst/>
+                <a:latin typeface="Arial Unicode MS" panose="020B0604020202020204" pitchFamily="34" charset="-128"/>
+              </a:rPr>
+              <a:t>" "</a:t>
+            </a:r>
+            <a:r>
+              <a:rPr kumimoji="0" lang="en-US" altLang="en-US" sz="1600" b="0" i="0" u="none" strike="noStrike" cap="none" normalizeH="0" baseline="0" dirty="0">
+                <a:ln>
+                  <a:noFill/>
+                </a:ln>
+                <a:solidFill>
+                  <a:srgbClr val="A9B7C6"/>
+                </a:solidFill>
+                <a:effectLst/>
+                <a:latin typeface="Arial Unicode MS" panose="020B0604020202020204" pitchFamily="34" charset="-128"/>
+              </a:rPr>
+              <a:t>+</a:t>
+            </a:r>
+            <a:r>
+              <a:rPr kumimoji="0" lang="en-US" altLang="en-US" sz="1600" b="0" i="0" u="none" strike="noStrike" cap="none" normalizeH="0" baseline="0" dirty="0" err="1">
+                <a:ln>
+                  <a:noFill/>
+                </a:ln>
+                <a:solidFill>
+                  <a:srgbClr val="A9B7C6"/>
+                </a:solidFill>
+                <a:effectLst/>
+                <a:latin typeface="Arial Unicode MS" panose="020B0604020202020204" pitchFamily="34" charset="-128"/>
+              </a:rPr>
+              <a:t>lastName</a:t>
+            </a:r>
+            <a:r>
+              <a:rPr kumimoji="0" lang="en-US" altLang="en-US" sz="1600" b="0" i="0" u="none" strike="noStrike" cap="none" normalizeH="0" baseline="0" dirty="0">
+                <a:ln>
+                  <a:noFill/>
+                </a:ln>
+                <a:solidFill>
+                  <a:srgbClr val="A9B7C6"/>
+                </a:solidFill>
+                <a:effectLst/>
+                <a:latin typeface="Arial Unicode MS" panose="020B0604020202020204" pitchFamily="34" charset="-128"/>
+              </a:rPr>
+              <a:t>)</a:t>
+            </a:r>
+            <a:r>
+              <a:rPr kumimoji="0" lang="en-US" altLang="en-US" sz="1600" b="0" i="0" u="none" strike="noStrike" cap="none" normalizeH="0" baseline="0" dirty="0">
+                <a:ln>
+                  <a:noFill/>
+                </a:ln>
+                <a:solidFill>
+                  <a:srgbClr val="CC7832"/>
+                </a:solidFill>
+                <a:effectLst/>
+                <a:latin typeface="Arial Unicode MS" panose="020B0604020202020204" pitchFamily="34" charset="-128"/>
+              </a:rPr>
+              <a:t>;</a:t>
+            </a:r>
+            <a:br>
+              <a:rPr kumimoji="0" lang="en-US" altLang="en-US" sz="1600" b="0" i="0" u="none" strike="noStrike" cap="none" normalizeH="0" baseline="0" dirty="0">
+                <a:ln>
+                  <a:noFill/>
+                </a:ln>
+                <a:solidFill>
+                  <a:srgbClr val="CC7832"/>
+                </a:solidFill>
+                <a:effectLst/>
+                <a:latin typeface="Arial Unicode MS" panose="020B0604020202020204" pitchFamily="34" charset="-128"/>
+              </a:rPr>
+            </a:br>
+            <a:r>
+              <a:rPr kumimoji="0" lang="en-US" altLang="en-US" sz="1600" b="0" i="0" u="none" strike="noStrike" cap="none" normalizeH="0" baseline="0" dirty="0" err="1">
+                <a:ln>
+                  <a:noFill/>
+                </a:ln>
+                <a:solidFill>
+                  <a:srgbClr val="A9B7C6"/>
+                </a:solidFill>
+                <a:effectLst/>
+                <a:latin typeface="Arial Unicode MS" panose="020B0604020202020204" pitchFamily="34" charset="-128"/>
+              </a:rPr>
+              <a:t>System.</a:t>
+            </a:r>
+            <a:r>
+              <a:rPr kumimoji="0" lang="en-US" altLang="en-US" sz="1600" b="0" i="1" u="none" strike="noStrike" cap="none" normalizeH="0" baseline="0" dirty="0" err="1">
+                <a:ln>
+                  <a:noFill/>
+                </a:ln>
+                <a:solidFill>
+                  <a:srgbClr val="9876AA"/>
+                </a:solidFill>
+                <a:effectLst/>
+                <a:latin typeface="Arial Unicode MS" panose="020B0604020202020204" pitchFamily="34" charset="-128"/>
+              </a:rPr>
+              <a:t>out</a:t>
+            </a:r>
+            <a:r>
+              <a:rPr kumimoji="0" lang="en-US" altLang="en-US" sz="1600" b="0" i="0" u="none" strike="noStrike" cap="none" normalizeH="0" baseline="0" dirty="0" err="1">
+                <a:ln>
+                  <a:noFill/>
+                </a:ln>
+                <a:solidFill>
+                  <a:srgbClr val="A9B7C6"/>
+                </a:solidFill>
+                <a:effectLst/>
+                <a:latin typeface="Arial Unicode MS" panose="020B0604020202020204" pitchFamily="34" charset="-128"/>
+              </a:rPr>
+              <a:t>.println</a:t>
+            </a:r>
+            <a:r>
+              <a:rPr kumimoji="0" lang="en-US" altLang="en-US" sz="1600" b="0" i="0" u="none" strike="noStrike" cap="none" normalizeH="0" baseline="0" dirty="0">
+                <a:ln>
+                  <a:noFill/>
+                </a:ln>
+                <a:solidFill>
+                  <a:srgbClr val="A9B7C6"/>
+                </a:solidFill>
+                <a:effectLst/>
+                <a:latin typeface="Arial Unicode MS" panose="020B0604020202020204" pitchFamily="34" charset="-128"/>
+              </a:rPr>
+              <a:t>(</a:t>
+            </a:r>
+            <a:r>
+              <a:rPr kumimoji="0" lang="en-US" altLang="en-US" sz="1600" b="0" i="0" u="none" strike="noStrike" cap="none" normalizeH="0" baseline="0" dirty="0" err="1">
+                <a:ln>
+                  <a:noFill/>
+                </a:ln>
+                <a:solidFill>
+                  <a:srgbClr val="A9B7C6"/>
+                </a:solidFill>
+                <a:effectLst/>
+                <a:latin typeface="Arial Unicode MS" panose="020B0604020202020204" pitchFamily="34" charset="-128"/>
+              </a:rPr>
+              <a:t>firstName.concat</a:t>
+            </a:r>
+            <a:r>
+              <a:rPr kumimoji="0" lang="en-US" altLang="en-US" sz="1600" b="0" i="0" u="none" strike="noStrike" cap="none" normalizeH="0" baseline="0" dirty="0">
+                <a:ln>
+                  <a:noFill/>
+                </a:ln>
+                <a:solidFill>
+                  <a:srgbClr val="A9B7C6"/>
+                </a:solidFill>
+                <a:effectLst/>
+                <a:latin typeface="Arial Unicode MS" panose="020B0604020202020204" pitchFamily="34" charset="-128"/>
+              </a:rPr>
+              <a:t>(</a:t>
+            </a:r>
+            <a:r>
+              <a:rPr kumimoji="0" lang="en-US" altLang="en-US" sz="1600" b="0" i="0" u="none" strike="noStrike" cap="none" normalizeH="0" baseline="0" dirty="0" err="1">
+                <a:ln>
+                  <a:noFill/>
+                </a:ln>
+                <a:solidFill>
+                  <a:srgbClr val="A9B7C6"/>
+                </a:solidFill>
+                <a:effectLst/>
+                <a:latin typeface="Arial Unicode MS" panose="020B0604020202020204" pitchFamily="34" charset="-128"/>
+              </a:rPr>
+              <a:t>lastName</a:t>
+            </a:r>
+            <a:r>
+              <a:rPr kumimoji="0" lang="en-US" altLang="en-US" sz="1600" b="0" i="0" u="none" strike="noStrike" cap="none" normalizeH="0" baseline="0" dirty="0">
+                <a:ln>
+                  <a:noFill/>
+                </a:ln>
+                <a:solidFill>
+                  <a:srgbClr val="A9B7C6"/>
+                </a:solidFill>
+                <a:effectLst/>
+                <a:latin typeface="Arial Unicode MS" panose="020B0604020202020204" pitchFamily="34" charset="-128"/>
+              </a:rPr>
+              <a:t>))</a:t>
+            </a:r>
+            <a:r>
+              <a:rPr kumimoji="0" lang="en-US" altLang="en-US" sz="1600" b="0" i="0" u="none" strike="noStrike" cap="none" normalizeH="0" baseline="0" dirty="0">
+                <a:ln>
+                  <a:noFill/>
+                </a:ln>
+                <a:solidFill>
+                  <a:srgbClr val="CC7832"/>
+                </a:solidFill>
+                <a:effectLst/>
+                <a:latin typeface="Arial Unicode MS" panose="020B0604020202020204" pitchFamily="34" charset="-128"/>
+              </a:rPr>
+              <a:t>;</a:t>
+            </a:r>
+            <a:endParaRPr lang="en-US" altLang="en-US" sz="1600" dirty="0">
+              <a:latin typeface="Arial" panose="020B0604020202020204" pitchFamily="34" charset="0"/>
+            </a:endParaRPr>
+          </a:p>
+          <a:p>
+            <a:pPr marL="0" indent="0">
+              <a:buNone/>
+            </a:pPr>
+            <a:endParaRPr lang="en-US" altLang="en-US" sz="1600" dirty="0">
+              <a:latin typeface="Arial" panose="020B0604020202020204" pitchFamily="34" charset="0"/>
+            </a:endParaRPr>
+          </a:p>
+          <a:p>
+            <a:pPr marL="0" indent="0">
+              <a:buNone/>
+            </a:pPr>
+            <a:r>
+              <a:rPr lang="en-US" altLang="en-US" sz="1600" dirty="0">
+                <a:solidFill>
+                  <a:schemeClr val="bg1">
+                    <a:lumMod val="95000"/>
+                  </a:schemeClr>
+                </a:solidFill>
+                <a:latin typeface="Arial" panose="020B0604020202020204" pitchFamily="34" charset="0"/>
+              </a:rPr>
+              <a:t>// find string length</a:t>
+            </a:r>
+          </a:p>
+          <a:p>
+            <a:pPr marL="0" indent="0">
+              <a:buNone/>
+            </a:pPr>
+            <a:r>
+              <a:rPr kumimoji="0" lang="en-US" altLang="en-US" sz="1600" b="0" i="0" u="none" strike="noStrike" cap="none" normalizeH="0" baseline="0" dirty="0" err="1">
+                <a:ln>
+                  <a:noFill/>
+                </a:ln>
+                <a:solidFill>
+                  <a:srgbClr val="A9B7C6"/>
+                </a:solidFill>
+                <a:effectLst/>
+                <a:latin typeface="Arial Unicode MS" panose="020B0604020202020204" pitchFamily="34" charset="-128"/>
+              </a:rPr>
+              <a:t>System.</a:t>
+            </a:r>
+            <a:r>
+              <a:rPr kumimoji="0" lang="en-US" altLang="en-US" sz="1600" b="0" i="1" u="none" strike="noStrike" cap="none" normalizeH="0" baseline="0" dirty="0" err="1">
+                <a:ln>
+                  <a:noFill/>
+                </a:ln>
+                <a:solidFill>
+                  <a:srgbClr val="9876AA"/>
+                </a:solidFill>
+                <a:effectLst/>
+                <a:latin typeface="Arial Unicode MS" panose="020B0604020202020204" pitchFamily="34" charset="-128"/>
+              </a:rPr>
+              <a:t>out</a:t>
+            </a:r>
+            <a:r>
+              <a:rPr kumimoji="0" lang="en-US" altLang="en-US" sz="1600" b="0" i="0" u="none" strike="noStrike" cap="none" normalizeH="0" baseline="0" dirty="0" err="1">
+                <a:ln>
+                  <a:noFill/>
+                </a:ln>
+                <a:solidFill>
+                  <a:srgbClr val="A9B7C6"/>
+                </a:solidFill>
+                <a:effectLst/>
+                <a:latin typeface="Arial Unicode MS" panose="020B0604020202020204" pitchFamily="34" charset="-128"/>
+              </a:rPr>
+              <a:t>.println</a:t>
+            </a:r>
+            <a:r>
+              <a:rPr kumimoji="0" lang="en-US" altLang="en-US" sz="1600" b="0" i="0" u="none" strike="noStrike" cap="none" normalizeH="0" baseline="0" dirty="0">
+                <a:ln>
+                  <a:noFill/>
+                </a:ln>
+                <a:solidFill>
+                  <a:srgbClr val="A9B7C6"/>
+                </a:solidFill>
+                <a:effectLst/>
+                <a:latin typeface="Arial Unicode MS" panose="020B0604020202020204" pitchFamily="34" charset="-128"/>
+              </a:rPr>
+              <a:t>(</a:t>
+            </a:r>
+            <a:r>
+              <a:rPr kumimoji="0" lang="en-US" altLang="en-US" sz="1600" b="0" i="0" u="none" strike="noStrike" cap="none" normalizeH="0" baseline="0" dirty="0">
+                <a:ln>
+                  <a:noFill/>
+                </a:ln>
+                <a:solidFill>
+                  <a:srgbClr val="6A8759"/>
+                </a:solidFill>
+                <a:effectLst/>
+                <a:latin typeface="Arial Unicode MS" panose="020B0604020202020204" pitchFamily="34" charset="-128"/>
+              </a:rPr>
+              <a:t>"</a:t>
+            </a:r>
+            <a:r>
+              <a:rPr kumimoji="0" lang="en-US" altLang="en-US" sz="1600" b="0" i="0" u="none" strike="noStrike" cap="none" normalizeH="0" baseline="0" dirty="0" err="1">
+                <a:ln>
+                  <a:noFill/>
+                </a:ln>
+                <a:solidFill>
+                  <a:srgbClr val="6A8759"/>
+                </a:solidFill>
+                <a:effectLst/>
+                <a:latin typeface="Arial Unicode MS" panose="020B0604020202020204" pitchFamily="34" charset="-128"/>
+              </a:rPr>
+              <a:t>Noyon"</a:t>
+            </a:r>
+            <a:r>
+              <a:rPr kumimoji="0" lang="en-US" altLang="en-US" sz="1600" b="0" i="0" u="none" strike="noStrike" cap="none" normalizeH="0" baseline="0" dirty="0" err="1">
+                <a:ln>
+                  <a:noFill/>
+                </a:ln>
+                <a:solidFill>
+                  <a:srgbClr val="A9B7C6"/>
+                </a:solidFill>
+                <a:effectLst/>
+                <a:latin typeface="Arial Unicode MS" panose="020B0604020202020204" pitchFamily="34" charset="-128"/>
+              </a:rPr>
+              <a:t>.length</a:t>
+            </a:r>
+            <a:r>
+              <a:rPr kumimoji="0" lang="en-US" altLang="en-US" sz="1600" b="0" i="0" u="none" strike="noStrike" cap="none" normalizeH="0" baseline="0" dirty="0">
+                <a:ln>
+                  <a:noFill/>
+                </a:ln>
+                <a:solidFill>
+                  <a:srgbClr val="A9B7C6"/>
+                </a:solidFill>
+                <a:effectLst/>
+                <a:latin typeface="Arial Unicode MS" panose="020B0604020202020204" pitchFamily="34" charset="-128"/>
+              </a:rPr>
+              <a:t>())</a:t>
+            </a:r>
+            <a:r>
+              <a:rPr kumimoji="0" lang="en-US" altLang="en-US" sz="1600" b="0" i="0" u="none" strike="noStrike" cap="none" normalizeH="0" baseline="0" dirty="0">
+                <a:ln>
+                  <a:noFill/>
+                </a:ln>
+                <a:solidFill>
+                  <a:srgbClr val="CC7832"/>
+                </a:solidFill>
+                <a:effectLst/>
+                <a:latin typeface="Arial Unicode MS" panose="020B0604020202020204" pitchFamily="34" charset="-128"/>
+              </a:rPr>
+              <a:t>;</a:t>
+            </a:r>
+            <a:endParaRPr kumimoji="0" lang="en-US" altLang="en-US" sz="3600" b="0" i="0" u="none" strike="noStrike" cap="none" normalizeH="0" baseline="0" dirty="0">
+              <a:ln>
+                <a:noFill/>
+              </a:ln>
+              <a:solidFill>
+                <a:schemeClr val="tx1"/>
+              </a:solidFill>
+              <a:effectLst/>
+              <a:latin typeface="Arial" panose="020B0604020202020204" pitchFamily="34" charset="0"/>
+            </a:endParaRPr>
+          </a:p>
+          <a:p>
+            <a:pPr marL="0" indent="0">
+              <a:buNone/>
+            </a:pPr>
+            <a:endParaRPr lang="en-US" altLang="en-US" sz="1600" dirty="0">
+              <a:solidFill>
+                <a:schemeClr val="bg1">
+                  <a:lumMod val="95000"/>
+                </a:schemeClr>
+              </a:solidFill>
+              <a:latin typeface="Arial" panose="020B0604020202020204" pitchFamily="34" charset="0"/>
+            </a:endParaRPr>
+          </a:p>
+          <a:p>
+            <a:pPr marL="0" indent="0">
+              <a:buNone/>
+            </a:pPr>
+            <a:r>
+              <a:rPr lang="en-US" altLang="en-US" sz="1600" dirty="0">
+                <a:solidFill>
+                  <a:schemeClr val="bg1">
+                    <a:lumMod val="95000"/>
+                  </a:schemeClr>
+                </a:solidFill>
+                <a:latin typeface="Arial" panose="020B0604020202020204" pitchFamily="34" charset="0"/>
+              </a:rPr>
+              <a:t>// </a:t>
+            </a:r>
+            <a:r>
+              <a:rPr lang="en-US" altLang="en-US" sz="1600" dirty="0" err="1">
+                <a:solidFill>
+                  <a:schemeClr val="bg1">
+                    <a:lumMod val="95000"/>
+                  </a:schemeClr>
+                </a:solidFill>
+                <a:latin typeface="Arial" panose="020B0604020202020204" pitchFamily="34" charset="0"/>
+              </a:rPr>
+              <a:t>compareTo</a:t>
+            </a:r>
+            <a:r>
+              <a:rPr lang="en-US" altLang="en-US" sz="1600" dirty="0">
+                <a:solidFill>
+                  <a:schemeClr val="bg1">
+                    <a:lumMod val="95000"/>
+                  </a:schemeClr>
+                </a:solidFill>
+                <a:latin typeface="Arial" panose="020B0604020202020204" pitchFamily="34" charset="0"/>
+              </a:rPr>
+              <a:t>() function, compares between two string</a:t>
+            </a:r>
+          </a:p>
+          <a:p>
+            <a:pPr marL="0" indent="0">
+              <a:buNone/>
+            </a:pPr>
+            <a:r>
+              <a:rPr kumimoji="0" lang="en-US" altLang="en-US" sz="1600" b="0" i="0" u="none" strike="noStrike" cap="none" normalizeH="0" baseline="0" dirty="0">
+                <a:ln>
+                  <a:noFill/>
+                </a:ln>
+                <a:solidFill>
+                  <a:srgbClr val="A9B7C6"/>
+                </a:solidFill>
+                <a:effectLst/>
+                <a:latin typeface="Arial Unicode MS" panose="020B0604020202020204" pitchFamily="34" charset="-128"/>
+              </a:rPr>
+              <a:t>String a = </a:t>
+            </a:r>
+            <a:r>
+              <a:rPr kumimoji="0" lang="en-US" altLang="en-US" sz="1600" b="0" i="0" u="none" strike="noStrike" cap="none" normalizeH="0" baseline="0" dirty="0">
+                <a:ln>
+                  <a:noFill/>
+                </a:ln>
+                <a:solidFill>
+                  <a:srgbClr val="6A8759"/>
+                </a:solidFill>
+                <a:effectLst/>
+                <a:latin typeface="Arial Unicode MS" panose="020B0604020202020204" pitchFamily="34" charset="-128"/>
+              </a:rPr>
+              <a:t>"Tony"</a:t>
+            </a:r>
+            <a:r>
+              <a:rPr kumimoji="0" lang="en-US" altLang="en-US" sz="1600" b="0" i="0" u="none" strike="noStrike" cap="none" normalizeH="0" baseline="0" dirty="0">
+                <a:ln>
+                  <a:noFill/>
+                </a:ln>
+                <a:solidFill>
+                  <a:srgbClr val="CC7832"/>
+                </a:solidFill>
+                <a:effectLst/>
+                <a:latin typeface="Arial Unicode MS" panose="020B0604020202020204" pitchFamily="34" charset="-128"/>
+              </a:rPr>
+              <a:t>;</a:t>
+            </a:r>
+            <a:br>
+              <a:rPr kumimoji="0" lang="en-US" altLang="en-US" sz="1600" b="0" i="0" u="none" strike="noStrike" cap="none" normalizeH="0" baseline="0" dirty="0">
+                <a:ln>
+                  <a:noFill/>
+                </a:ln>
+                <a:solidFill>
+                  <a:srgbClr val="CC7832"/>
+                </a:solidFill>
+                <a:effectLst/>
+                <a:latin typeface="Arial Unicode MS" panose="020B0604020202020204" pitchFamily="34" charset="-128"/>
+              </a:rPr>
+            </a:br>
+            <a:r>
+              <a:rPr kumimoji="0" lang="en-US" altLang="en-US" sz="1600" b="0" i="0" u="none" strike="noStrike" cap="none" normalizeH="0" baseline="0" dirty="0">
+                <a:ln>
+                  <a:noFill/>
+                </a:ln>
+                <a:solidFill>
+                  <a:srgbClr val="A9B7C6"/>
+                </a:solidFill>
+                <a:effectLst/>
+                <a:latin typeface="Arial Unicode MS" panose="020B0604020202020204" pitchFamily="34" charset="-128"/>
+              </a:rPr>
+              <a:t>String b = </a:t>
+            </a:r>
+            <a:r>
+              <a:rPr kumimoji="0" lang="en-US" altLang="en-US" sz="1600" b="0" i="0" u="none" strike="noStrike" cap="none" normalizeH="0" baseline="0" dirty="0">
+                <a:ln>
+                  <a:noFill/>
+                </a:ln>
+                <a:solidFill>
+                  <a:srgbClr val="6A8759"/>
+                </a:solidFill>
+                <a:effectLst/>
+                <a:latin typeface="Arial Unicode MS" panose="020B0604020202020204" pitchFamily="34" charset="-128"/>
+              </a:rPr>
+              <a:t>"Tony"</a:t>
+            </a:r>
+            <a:r>
+              <a:rPr kumimoji="0" lang="en-US" altLang="en-US" sz="1600" b="0" i="0" u="none" strike="noStrike" cap="none" normalizeH="0" baseline="0" dirty="0">
+                <a:ln>
+                  <a:noFill/>
+                </a:ln>
+                <a:solidFill>
+                  <a:srgbClr val="CC7832"/>
+                </a:solidFill>
+                <a:effectLst/>
+                <a:latin typeface="Arial Unicode MS" panose="020B0604020202020204" pitchFamily="34" charset="-128"/>
+              </a:rPr>
+              <a:t>;</a:t>
+            </a:r>
+            <a:br>
+              <a:rPr kumimoji="0" lang="en-US" altLang="en-US" sz="1600" b="0" i="0" u="none" strike="noStrike" cap="none" normalizeH="0" baseline="0" dirty="0">
+                <a:ln>
+                  <a:noFill/>
+                </a:ln>
+                <a:solidFill>
+                  <a:srgbClr val="CC7832"/>
+                </a:solidFill>
+                <a:effectLst/>
+                <a:latin typeface="Arial Unicode MS" panose="020B0604020202020204" pitchFamily="34" charset="-128"/>
+              </a:rPr>
+            </a:br>
+            <a:r>
+              <a:rPr kumimoji="0" lang="en-US" altLang="en-US" sz="1600" b="0" i="0" u="none" strike="noStrike" cap="none" normalizeH="0" baseline="0" dirty="0" err="1">
+                <a:ln>
+                  <a:noFill/>
+                </a:ln>
+                <a:solidFill>
+                  <a:srgbClr val="A9B7C6"/>
+                </a:solidFill>
+                <a:effectLst/>
+                <a:latin typeface="Arial Unicode MS" panose="020B0604020202020204" pitchFamily="34" charset="-128"/>
+              </a:rPr>
+              <a:t>System.</a:t>
+            </a:r>
+            <a:r>
+              <a:rPr kumimoji="0" lang="en-US" altLang="en-US" sz="1600" b="0" i="1" u="none" strike="noStrike" cap="none" normalizeH="0" baseline="0" dirty="0" err="1">
+                <a:ln>
+                  <a:noFill/>
+                </a:ln>
+                <a:solidFill>
+                  <a:srgbClr val="9876AA"/>
+                </a:solidFill>
+                <a:effectLst/>
+                <a:latin typeface="Arial Unicode MS" panose="020B0604020202020204" pitchFamily="34" charset="-128"/>
+              </a:rPr>
+              <a:t>out</a:t>
+            </a:r>
+            <a:r>
+              <a:rPr kumimoji="0" lang="en-US" altLang="en-US" sz="1600" b="0" i="0" u="none" strike="noStrike" cap="none" normalizeH="0" baseline="0" dirty="0" err="1">
+                <a:ln>
+                  <a:noFill/>
+                </a:ln>
+                <a:solidFill>
+                  <a:srgbClr val="A9B7C6"/>
+                </a:solidFill>
+                <a:effectLst/>
+                <a:latin typeface="Arial Unicode MS" panose="020B0604020202020204" pitchFamily="34" charset="-128"/>
+              </a:rPr>
+              <a:t>.println</a:t>
+            </a:r>
+            <a:r>
+              <a:rPr kumimoji="0" lang="en-US" altLang="en-US" sz="1600" b="0" i="0" u="none" strike="noStrike" cap="none" normalizeH="0" baseline="0" dirty="0">
+                <a:ln>
+                  <a:noFill/>
+                </a:ln>
+                <a:solidFill>
+                  <a:srgbClr val="A9B7C6"/>
+                </a:solidFill>
+                <a:effectLst/>
+                <a:latin typeface="Arial Unicode MS" panose="020B0604020202020204" pitchFamily="34" charset="-128"/>
+              </a:rPr>
+              <a:t>(</a:t>
+            </a:r>
+            <a:r>
+              <a:rPr kumimoji="0" lang="en-US" altLang="en-US" sz="1600" b="0" i="0" u="none" strike="noStrike" cap="none" normalizeH="0" baseline="0" dirty="0" err="1">
+                <a:ln>
+                  <a:noFill/>
+                </a:ln>
+                <a:solidFill>
+                  <a:srgbClr val="A9B7C6"/>
+                </a:solidFill>
+                <a:effectLst/>
+                <a:latin typeface="Arial Unicode MS" panose="020B0604020202020204" pitchFamily="34" charset="-128"/>
+              </a:rPr>
+              <a:t>a.compareTo</a:t>
+            </a:r>
+            <a:r>
+              <a:rPr kumimoji="0" lang="en-US" altLang="en-US" sz="1600" b="0" i="0" u="none" strike="noStrike" cap="none" normalizeH="0" baseline="0" dirty="0">
+                <a:ln>
+                  <a:noFill/>
+                </a:ln>
+                <a:solidFill>
+                  <a:srgbClr val="A9B7C6"/>
+                </a:solidFill>
+                <a:effectLst/>
+                <a:latin typeface="Arial Unicode MS" panose="020B0604020202020204" pitchFamily="34" charset="-128"/>
+              </a:rPr>
+              <a:t>(b) == 0)</a:t>
+            </a:r>
+            <a:r>
+              <a:rPr kumimoji="0" lang="en-US" altLang="en-US" sz="1600" b="0" i="0" u="none" strike="noStrike" cap="none" normalizeH="0" baseline="0" dirty="0">
+                <a:ln>
+                  <a:noFill/>
+                </a:ln>
+                <a:solidFill>
+                  <a:srgbClr val="CC7832"/>
+                </a:solidFill>
+                <a:effectLst/>
+                <a:latin typeface="Arial Unicode MS" panose="020B0604020202020204" pitchFamily="34" charset="-128"/>
+              </a:rPr>
+              <a:t>;</a:t>
+            </a:r>
+            <a:endParaRPr kumimoji="0" lang="en-US" altLang="en-US" sz="3600" b="0" i="0" u="none" strike="noStrike" cap="none" normalizeH="0" baseline="0" dirty="0">
+              <a:ln>
+                <a:noFill/>
+              </a:ln>
+              <a:solidFill>
+                <a:schemeClr val="tx1"/>
+              </a:solidFill>
+              <a:effectLst/>
+              <a:latin typeface="Arial" panose="020B0604020202020204" pitchFamily="34" charset="0"/>
+            </a:endParaRPr>
+          </a:p>
+          <a:p>
+            <a:pPr marL="0" indent="0">
+              <a:buNone/>
+            </a:pPr>
+            <a:endParaRPr lang="en-US" altLang="en-US" sz="1600" dirty="0">
+              <a:solidFill>
+                <a:schemeClr val="bg1">
+                  <a:lumMod val="95000"/>
+                </a:schemeClr>
+              </a:solidFill>
+              <a:latin typeface="Arial" panose="020B0604020202020204" pitchFamily="34" charset="0"/>
+            </a:endParaRPr>
+          </a:p>
+        </p:txBody>
+      </p:sp>
+      <p:sp>
+        <p:nvSpPr>
+          <p:cNvPr id="8" name="Rectangle 7">
+            <a:extLst>
+              <a:ext uri="{FF2B5EF4-FFF2-40B4-BE49-F238E27FC236}">
+                <a16:creationId xmlns:a16="http://schemas.microsoft.com/office/drawing/2014/main" id="{CDCA06EF-C858-491C-BD51-4AA29C790001}"/>
+              </a:ext>
+            </a:extLst>
+          </p:cNvPr>
+          <p:cNvSpPr/>
+          <p:nvPr/>
+        </p:nvSpPr>
+        <p:spPr>
+          <a:xfrm>
+            <a:off x="7699513" y="2368826"/>
+            <a:ext cx="2849217" cy="2120348"/>
+          </a:xfrm>
+          <a:prstGeom prst="rect">
+            <a:avLst/>
+          </a:prstGeom>
+          <a:noFill/>
+          <a:ln>
+            <a:solidFill>
+              <a:schemeClr val="accent1">
+                <a:lumMod val="75000"/>
+              </a:schemeClr>
+            </a:solidFill>
+          </a:ln>
+        </p:spPr>
+        <p:style>
+          <a:lnRef idx="2">
+            <a:schemeClr val="accent1">
+              <a:shade val="50000"/>
+            </a:schemeClr>
+          </a:lnRef>
+          <a:fillRef idx="1">
+            <a:schemeClr val="accent1"/>
+          </a:fillRef>
+          <a:effectRef idx="0">
+            <a:schemeClr val="accent1"/>
+          </a:effectRef>
+          <a:fontRef idx="minor">
+            <a:schemeClr val="lt1"/>
+          </a:fontRef>
+        </p:style>
+        <p:txBody>
+          <a:bodyPr rtlCol="0" anchor="ctr"/>
+          <a:lstStyle/>
+          <a:p>
+            <a:r>
+              <a:rPr lang="en-US" dirty="0" err="1"/>
+              <a:t>compareTo</a:t>
+            </a:r>
+            <a:r>
+              <a:rPr lang="en-US" dirty="0"/>
+              <a:t>() method return:</a:t>
+            </a:r>
+          </a:p>
+          <a:p>
+            <a:r>
+              <a:rPr lang="en-US" dirty="0"/>
+              <a:t>Positive, 0, negative</a:t>
+            </a:r>
+          </a:p>
+          <a:p>
+            <a:endParaRPr lang="en-US" dirty="0"/>
+          </a:p>
+          <a:p>
+            <a:r>
+              <a:rPr lang="en-US" dirty="0"/>
+              <a:t>S1 &gt; S2: positive</a:t>
+            </a:r>
+          </a:p>
+          <a:p>
+            <a:r>
+              <a:rPr lang="en-US" dirty="0"/>
+              <a:t>S1 == S2: 0</a:t>
+            </a:r>
+          </a:p>
+          <a:p>
+            <a:r>
+              <a:rPr lang="en-US" dirty="0"/>
+              <a:t>S1 &lt; S2: negative</a:t>
+            </a:r>
+          </a:p>
+        </p:txBody>
+      </p:sp>
+    </p:spTree>
+    <p:extLst>
+      <p:ext uri="{BB962C8B-B14F-4D97-AF65-F5344CB8AC3E}">
+        <p14:creationId xmlns:p14="http://schemas.microsoft.com/office/powerpoint/2010/main" val="2585002434"/>
+      </p:ext>
+    </p:extLst>
+  </p:cSld>
+  <p:clrMapOvr>
+    <a:masterClrMapping/>
+  </p:clrMapOvr>
+</p:sld>
+</file>
+
 <file path=ppt/slides/slide3.xml><?xml version="1.0" encoding="utf-8"?>
 <p:sld xmlns:a="http://schemas.openxmlformats.org/drawingml/2006/main" xmlns:r="http://schemas.openxmlformats.org/officeDocument/2006/relationships" xmlns:p="http://schemas.openxmlformats.org/presentationml/2006/main">
   <p:cSld>
